--- a/보고서/보고서.pptx
+++ b/보고서/보고서.pptx
@@ -14,12 +14,14 @@
     <p:sldId id="263" r:id="rId8"/>
     <p:sldId id="264" r:id="rId9"/>
     <p:sldId id="265" r:id="rId10"/>
-    <p:sldId id="266" r:id="rId11"/>
-    <p:sldId id="267" r:id="rId12"/>
-    <p:sldId id="268" r:id="rId13"/>
-    <p:sldId id="269" r:id="rId14"/>
-    <p:sldId id="270" r:id="rId15"/>
-    <p:sldId id="271" r:id="rId16"/>
+    <p:sldId id="272" r:id="rId11"/>
+    <p:sldId id="273" r:id="rId12"/>
+    <p:sldId id="266" r:id="rId13"/>
+    <p:sldId id="267" r:id="rId14"/>
+    <p:sldId id="268" r:id="rId15"/>
+    <p:sldId id="269" r:id="rId16"/>
+    <p:sldId id="270" r:id="rId17"/>
+    <p:sldId id="271" r:id="rId18"/>
   </p:sldIdLst>
   <p:sldSz cx="12192000" cy="6858000"/>
   <p:notesSz cx="6858000" cy="9144000"/>
@@ -118,6 +120,11 @@
       </a:defRPr>
     </a:lvl9pPr>
   </p:defaultTextStyle>
+  <p:extLst>
+    <p:ext uri="{EFAFB233-063F-42B5-8137-9DF3F51BA10A}">
+      <p15:sldGuideLst xmlns:p15="http://schemas.microsoft.com/office/powerpoint/2012/main"/>
+    </p:ext>
+  </p:extLst>
 </p:presentation>
 </file>
 
@@ -270,7 +277,7 @@
           <a:p>
             <a:fld id="{F7C654D5-752E-C34F-9969-81EE7564311B}" type="datetimeFigureOut">
               <a:rPr kumimoji="1" lang="ko-Kore-KR" altLang="en-US" smtClean="0"/>
-              <a:t>2021. 12. 8.</a:t>
+              <a:t>2021. 12. 9.</a:t>
             </a:fld>
             <a:endParaRPr kumimoji="1" lang="ko-Kore-KR" altLang="en-US"/>
           </a:p>
@@ -470,7 +477,7 @@
           <a:p>
             <a:fld id="{F7C654D5-752E-C34F-9969-81EE7564311B}" type="datetimeFigureOut">
               <a:rPr kumimoji="1" lang="ko-Kore-KR" altLang="en-US" smtClean="0"/>
-              <a:t>2021. 12. 8.</a:t>
+              <a:t>2021. 12. 9.</a:t>
             </a:fld>
             <a:endParaRPr kumimoji="1" lang="ko-Kore-KR" altLang="en-US"/>
           </a:p>
@@ -680,7 +687,7 @@
           <a:p>
             <a:fld id="{F7C654D5-752E-C34F-9969-81EE7564311B}" type="datetimeFigureOut">
               <a:rPr kumimoji="1" lang="ko-Kore-KR" altLang="en-US" smtClean="0"/>
-              <a:t>2021. 12. 8.</a:t>
+              <a:t>2021. 12. 9.</a:t>
             </a:fld>
             <a:endParaRPr kumimoji="1" lang="ko-Kore-KR" altLang="en-US"/>
           </a:p>
@@ -880,7 +887,7 @@
           <a:p>
             <a:fld id="{F7C654D5-752E-C34F-9969-81EE7564311B}" type="datetimeFigureOut">
               <a:rPr kumimoji="1" lang="ko-Kore-KR" altLang="en-US" smtClean="0"/>
-              <a:t>2021. 12. 8.</a:t>
+              <a:t>2021. 12. 9.</a:t>
             </a:fld>
             <a:endParaRPr kumimoji="1" lang="ko-Kore-KR" altLang="en-US"/>
           </a:p>
@@ -1156,7 +1163,7 @@
           <a:p>
             <a:fld id="{F7C654D5-752E-C34F-9969-81EE7564311B}" type="datetimeFigureOut">
               <a:rPr kumimoji="1" lang="ko-Kore-KR" altLang="en-US" smtClean="0"/>
-              <a:t>2021. 12. 8.</a:t>
+              <a:t>2021. 12. 9.</a:t>
             </a:fld>
             <a:endParaRPr kumimoji="1" lang="ko-Kore-KR" altLang="en-US"/>
           </a:p>
@@ -1424,7 +1431,7 @@
           <a:p>
             <a:fld id="{F7C654D5-752E-C34F-9969-81EE7564311B}" type="datetimeFigureOut">
               <a:rPr kumimoji="1" lang="ko-Kore-KR" altLang="en-US" smtClean="0"/>
-              <a:t>2021. 12. 8.</a:t>
+              <a:t>2021. 12. 9.</a:t>
             </a:fld>
             <a:endParaRPr kumimoji="1" lang="ko-Kore-KR" altLang="en-US"/>
           </a:p>
@@ -1839,7 +1846,7 @@
           <a:p>
             <a:fld id="{F7C654D5-752E-C34F-9969-81EE7564311B}" type="datetimeFigureOut">
               <a:rPr kumimoji="1" lang="ko-Kore-KR" altLang="en-US" smtClean="0"/>
-              <a:t>2021. 12. 8.</a:t>
+              <a:t>2021. 12. 9.</a:t>
             </a:fld>
             <a:endParaRPr kumimoji="1" lang="ko-Kore-KR" altLang="en-US"/>
           </a:p>
@@ -1981,7 +1988,7 @@
           <a:p>
             <a:fld id="{F7C654D5-752E-C34F-9969-81EE7564311B}" type="datetimeFigureOut">
               <a:rPr kumimoji="1" lang="ko-Kore-KR" altLang="en-US" smtClean="0"/>
-              <a:t>2021. 12. 8.</a:t>
+              <a:t>2021. 12. 9.</a:t>
             </a:fld>
             <a:endParaRPr kumimoji="1" lang="ko-Kore-KR" altLang="en-US"/>
           </a:p>
@@ -2094,7 +2101,7 @@
           <a:p>
             <a:fld id="{F7C654D5-752E-C34F-9969-81EE7564311B}" type="datetimeFigureOut">
               <a:rPr kumimoji="1" lang="ko-Kore-KR" altLang="en-US" smtClean="0"/>
-              <a:t>2021. 12. 8.</a:t>
+              <a:t>2021. 12. 9.</a:t>
             </a:fld>
             <a:endParaRPr kumimoji="1" lang="ko-Kore-KR" altLang="en-US"/>
           </a:p>
@@ -2407,7 +2414,7 @@
           <a:p>
             <a:fld id="{F7C654D5-752E-C34F-9969-81EE7564311B}" type="datetimeFigureOut">
               <a:rPr kumimoji="1" lang="ko-Kore-KR" altLang="en-US" smtClean="0"/>
-              <a:t>2021. 12. 8.</a:t>
+              <a:t>2021. 12. 9.</a:t>
             </a:fld>
             <a:endParaRPr kumimoji="1" lang="ko-Kore-KR" altLang="en-US"/>
           </a:p>
@@ -2696,7 +2703,7 @@
           <a:p>
             <a:fld id="{F7C654D5-752E-C34F-9969-81EE7564311B}" type="datetimeFigureOut">
               <a:rPr kumimoji="1" lang="ko-Kore-KR" altLang="en-US" smtClean="0"/>
-              <a:t>2021. 12. 8.</a:t>
+              <a:t>2021. 12. 9.</a:t>
             </a:fld>
             <a:endParaRPr kumimoji="1" lang="ko-Kore-KR" altLang="en-US"/>
           </a:p>
@@ -2939,7 +2946,7 @@
           <a:p>
             <a:fld id="{F7C654D5-752E-C34F-9969-81EE7564311B}" type="datetimeFigureOut">
               <a:rPr kumimoji="1" lang="ko-Kore-KR" altLang="en-US" smtClean="0"/>
-              <a:t>2021. 12. 8.</a:t>
+              <a:t>2021. 12. 9.</a:t>
             </a:fld>
             <a:endParaRPr kumimoji="1" lang="ko-Kore-KR" altLang="en-US"/>
           </a:p>
@@ -3493,7 +3500,7 @@
           <p:cNvPr id="2" name="제목 1">
             <a:extLst>
               <a:ext uri="{FF2B5EF4-FFF2-40B4-BE49-F238E27FC236}">
-                <a16:creationId xmlns:a16="http://schemas.microsoft.com/office/drawing/2014/main" id="{F78D49EE-618A-414A-B9DA-6B4729C06499}"/>
+                <a16:creationId xmlns:a16="http://schemas.microsoft.com/office/drawing/2014/main" id="{F36E03AE-2686-CA4B-BA18-14922035A22F}"/>
               </a:ext>
             </a:extLst>
           </p:cNvPr>
@@ -3510,69 +3517,54 @@
           <a:lstStyle/>
           <a:p>
             <a:r>
-              <a:rPr kumimoji="1" lang="ko-KR" altLang="en-US" dirty="0"/>
-              <a:t>디자인</a:t>
-            </a:r>
-            <a:r>
-              <a:rPr kumimoji="1" lang="en-US" altLang="ko-KR" dirty="0"/>
-              <a:t> </a:t>
-            </a:r>
-            <a:r>
-              <a:rPr kumimoji="1" lang="ko-KR" altLang="en-US" dirty="0"/>
-              <a:t>패턴</a:t>
+              <a:rPr kumimoji="1" lang="en-US" altLang="ko-Kore-KR" dirty="0"/>
+              <a:t>Judge::</a:t>
+            </a:r>
+            <a:r>
+              <a:rPr kumimoji="1" lang="en-US" altLang="ko-Kore-KR" dirty="0" err="1"/>
+              <a:t>SetPlayers</a:t>
+            </a:r>
+            <a:r>
+              <a:rPr kumimoji="1" lang="en-US" altLang="ko-Kore-KR" dirty="0"/>
+              <a:t>()</a:t>
             </a:r>
             <a:endParaRPr kumimoji="1" lang="ko-Kore-KR" altLang="en-US" dirty="0"/>
           </a:p>
         </p:txBody>
       </p:sp>
-      <p:sp>
-        <p:nvSpPr>
-          <p:cNvPr id="3" name="내용 개체 틀 2">
-            <a:extLst>
-              <a:ext uri="{FF2B5EF4-FFF2-40B4-BE49-F238E27FC236}">
-                <a16:creationId xmlns:a16="http://schemas.microsoft.com/office/drawing/2014/main" id="{5F3F948B-3B5E-C54A-9DA9-A0622E21448E}"/>
-              </a:ext>
-            </a:extLst>
-          </p:cNvPr>
-          <p:cNvSpPr>
-            <a:spLocks noGrp="1"/>
-          </p:cNvSpPr>
+      <p:pic>
+        <p:nvPicPr>
+          <p:cNvPr id="5" name="내용 개체 틀 4" descr="텍스트이(가) 표시된 사진&#10;&#10;자동 생성된 설명">
+            <a:extLst>
+              <a:ext uri="{FF2B5EF4-FFF2-40B4-BE49-F238E27FC236}">
+                <a16:creationId xmlns:a16="http://schemas.microsoft.com/office/drawing/2014/main" id="{B8CA477A-0547-7F4E-8DAE-50455BBFCA83}"/>
+              </a:ext>
+            </a:extLst>
+          </p:cNvPr>
+          <p:cNvPicPr>
+            <a:picLocks noGrp="1" noChangeAspect="1"/>
+          </p:cNvPicPr>
           <p:nvPr>
             <p:ph idx="1"/>
           </p:nvPr>
-        </p:nvSpPr>
-        <p:spPr/>
-        <p:txBody>
-          <a:bodyPr/>
-          <a:lstStyle/>
-          <a:p>
-            <a:r>
-              <a:rPr kumimoji="1" lang="ko-KR" altLang="en-US" dirty="0" err="1"/>
-              <a:t>싱글톤</a:t>
-            </a:r>
-            <a:r>
-              <a:rPr kumimoji="1" lang="ko-KR" altLang="en-US" dirty="0"/>
-              <a:t> 패턴</a:t>
-            </a:r>
-            <a:endParaRPr kumimoji="1" lang="en-US" altLang="ko-KR" dirty="0"/>
-          </a:p>
-          <a:p>
-            <a:r>
-              <a:rPr kumimoji="1" lang="en-US" altLang="ko-Kore-KR" dirty="0" err="1"/>
-              <a:t>Etc</a:t>
-            </a:r>
-            <a:r>
-              <a:rPr kumimoji="1" lang="en-US" altLang="ko-Kore-KR" dirty="0"/>
-              <a:t>…</a:t>
-            </a:r>
-            <a:endParaRPr kumimoji="1" lang="ko-Kore-KR" altLang="en-US" dirty="0"/>
-          </a:p>
-        </p:txBody>
-      </p:sp>
+        </p:nvPicPr>
+        <p:blipFill>
+          <a:blip r:embed="rId2"/>
+          <a:stretch>
+            <a:fillRect/>
+          </a:stretch>
+        </p:blipFill>
+        <p:spPr>
+          <a:xfrm>
+            <a:off x="2822486" y="1690688"/>
+            <a:ext cx="6547028" cy="4351338"/>
+          </a:xfrm>
+        </p:spPr>
+      </p:pic>
     </p:spTree>
     <p:extLst>
       <p:ext uri="{BB962C8B-B14F-4D97-AF65-F5344CB8AC3E}">
-        <p14:creationId xmlns:p14="http://schemas.microsoft.com/office/powerpoint/2010/main" val="438999870"/>
+        <p14:creationId xmlns:p14="http://schemas.microsoft.com/office/powerpoint/2010/main" val="1636360814"/>
       </p:ext>
     </p:extLst>
   </p:cSld>
@@ -3604,7 +3596,7 @@
           <p:cNvPr id="2" name="제목 1">
             <a:extLst>
               <a:ext uri="{FF2B5EF4-FFF2-40B4-BE49-F238E27FC236}">
-                <a16:creationId xmlns:a16="http://schemas.microsoft.com/office/drawing/2014/main" id="{F78D49EE-618A-414A-B9DA-6B4729C06499}"/>
+                <a16:creationId xmlns:a16="http://schemas.microsoft.com/office/drawing/2014/main" id="{E5B67A6E-37A3-FE44-A72D-31DC394B1D09}"/>
               </a:ext>
             </a:extLst>
           </p:cNvPr>
@@ -3622,7 +3614,15 @@
           <a:p>
             <a:r>
               <a:rPr kumimoji="1" lang="en-US" altLang="ko-Kore-KR" dirty="0"/>
-              <a:t>UML</a:t>
+              <a:t>Judge::</a:t>
+            </a:r>
+            <a:r>
+              <a:rPr kumimoji="1" lang="en-US" altLang="ko-Kore-KR" dirty="0" err="1"/>
+              <a:t>IsGameContinue</a:t>
+            </a:r>
+            <a:r>
+              <a:rPr kumimoji="1" lang="en-US" altLang="ko-Kore-KR" dirty="0"/>
+              <a:t>()</a:t>
             </a:r>
             <a:endParaRPr kumimoji="1" lang="ko-Kore-KR" altLang="en-US" dirty="0"/>
           </a:p>
@@ -3630,10 +3630,10 @@
       </p:sp>
       <p:pic>
         <p:nvPicPr>
-          <p:cNvPr id="4" name="내용 개체 틀 4">
-            <a:extLst>
-              <a:ext uri="{FF2B5EF4-FFF2-40B4-BE49-F238E27FC236}">
-                <a16:creationId xmlns:a16="http://schemas.microsoft.com/office/drawing/2014/main" id="{7591C37B-4FFD-7D45-B241-9D234E6F6200}"/>
+          <p:cNvPr id="5" name="내용 개체 틀 4" descr="텍스트이(가) 표시된 사진&#10;&#10;자동 생성된 설명">
+            <a:extLst>
+              <a:ext uri="{FF2B5EF4-FFF2-40B4-BE49-F238E27FC236}">
+                <a16:creationId xmlns:a16="http://schemas.microsoft.com/office/drawing/2014/main" id="{54152848-CE51-174C-AECA-14FE1BA831EB}"/>
               </a:ext>
             </a:extLst>
           </p:cNvPr>
@@ -3652,15 +3652,113 @@
         </p:blipFill>
         <p:spPr>
           <a:xfrm>
-            <a:off x="2839454" y="547268"/>
-            <a:ext cx="8873204" cy="6275057"/>
+            <a:off x="4577874" y="1690688"/>
+            <a:ext cx="7180738" cy="4647997"/>
           </a:xfrm>
         </p:spPr>
       </p:pic>
+      <p:sp>
+        <p:nvSpPr>
+          <p:cNvPr id="6" name="TextBox 5">
+            <a:extLst>
+              <a:ext uri="{FF2B5EF4-FFF2-40B4-BE49-F238E27FC236}">
+                <a16:creationId xmlns:a16="http://schemas.microsoft.com/office/drawing/2014/main" id="{30C72D1B-0851-9C45-A1F8-77BEE8C6A4F7}"/>
+              </a:ext>
+            </a:extLst>
+          </p:cNvPr>
+          <p:cNvSpPr txBox="1"/>
+          <p:nvPr/>
+        </p:nvSpPr>
+        <p:spPr>
+          <a:xfrm>
+            <a:off x="433388" y="1963956"/>
+            <a:ext cx="3925339" cy="2862322"/>
+          </a:xfrm>
+          <a:prstGeom prst="rect">
+            <a:avLst/>
+          </a:prstGeom>
+          <a:noFill/>
+        </p:spPr>
+        <p:txBody>
+          <a:bodyPr wrap="square" rtlCol="0">
+            <a:spAutoFit/>
+          </a:bodyPr>
+          <a:lstStyle/>
+          <a:p>
+            <a:r>
+              <a:rPr kumimoji="1" lang="en-US" altLang="ko-Kore-KR" dirty="0"/>
+              <a:t>Board::</a:t>
+            </a:r>
+            <a:r>
+              <a:rPr kumimoji="1" lang="en-US" altLang="ko-Kore-KR" dirty="0" err="1"/>
+              <a:t>IsFullBoard</a:t>
+            </a:r>
+            <a:r>
+              <a:rPr kumimoji="1" lang="en-US" altLang="ko-Kore-KR" dirty="0"/>
+              <a:t>()</a:t>
+            </a:r>
+          </a:p>
+          <a:p>
+            <a:r>
+              <a:rPr kumimoji="1" lang="en-US" altLang="ko-Kore-KR" dirty="0"/>
+              <a:t>Board::</a:t>
+            </a:r>
+            <a:r>
+              <a:rPr kumimoji="1" lang="en-US" altLang="ko-Kore-KR" dirty="0" err="1"/>
+              <a:t>HasOnlyOneType</a:t>
+            </a:r>
+            <a:r>
+              <a:rPr kumimoji="1" lang="en-US" altLang="ko-Kore-KR" dirty="0"/>
+              <a:t>()</a:t>
+            </a:r>
+          </a:p>
+          <a:p>
+            <a:endParaRPr kumimoji="1" lang="en-US" altLang="ko-Kore-KR" dirty="0"/>
+          </a:p>
+          <a:p>
+            <a:r>
+              <a:rPr kumimoji="1" lang="ko-Kore-KR" altLang="en-US" dirty="0"/>
+              <a:t>위</a:t>
+            </a:r>
+            <a:r>
+              <a:rPr kumimoji="1" lang="ko-KR" altLang="en-US" dirty="0"/>
+              <a:t> 함수들로 게임이 계속 진행될 수 있는지 확인</a:t>
+            </a:r>
+            <a:endParaRPr kumimoji="1" lang="en-US" altLang="ko-KR" dirty="0"/>
+          </a:p>
+          <a:p>
+            <a:endParaRPr kumimoji="1" lang="en-US" altLang="ko-Kore-KR" dirty="0"/>
+          </a:p>
+          <a:p>
+            <a:r>
+              <a:rPr kumimoji="1" lang="en-US" altLang="ko-Kore-KR" dirty="0"/>
+              <a:t>Judge::</a:t>
+            </a:r>
+            <a:r>
+              <a:rPr kumimoji="1" lang="en-US" altLang="ko-Kore-KR" dirty="0" err="1"/>
+              <a:t>CheckValid</a:t>
+            </a:r>
+            <a:r>
+              <a:rPr kumimoji="1" lang="en-US" altLang="ko-Kore-KR" dirty="0"/>
+              <a:t>(int row, int col, char color)</a:t>
+            </a:r>
+          </a:p>
+          <a:p>
+            <a:endParaRPr kumimoji="1" lang="en-US" altLang="ko-Kore-KR" dirty="0"/>
+          </a:p>
+          <a:p>
+            <a:r>
+              <a:rPr kumimoji="1" lang="ko-KR" altLang="en-US" dirty="0"/>
+              <a:t>위 함수로 가이드 좌표 제작</a:t>
+            </a:r>
+            <a:endParaRPr kumimoji="1" lang="en-US" altLang="ko-Kore-KR" dirty="0"/>
+          </a:p>
+        </p:txBody>
+      </p:sp>
     </p:spTree>
     <p:extLst>
       <p:ext uri="{BB962C8B-B14F-4D97-AF65-F5344CB8AC3E}">
-        <p14:creationId xmlns:p14="http://schemas.microsoft.com/office/powerpoint/2010/main" val="1198068625"/>
+        <p14:creationId xmlns:p14="http://schemas.microsoft.com/office/powerpoint/2010/main" val="333146191"/>
       </p:ext>
     </p:extLst>
   </p:cSld>
@@ -3692,6 +3790,200 @@
           <p:cNvPr id="2" name="제목 1">
             <a:extLst>
               <a:ext uri="{FF2B5EF4-FFF2-40B4-BE49-F238E27FC236}">
+                <a16:creationId xmlns:a16="http://schemas.microsoft.com/office/drawing/2014/main" id="{F78D49EE-618A-414A-B9DA-6B4729C06499}"/>
+              </a:ext>
+            </a:extLst>
+          </p:cNvPr>
+          <p:cNvSpPr>
+            <a:spLocks noGrp="1"/>
+          </p:cNvSpPr>
+          <p:nvPr>
+            <p:ph type="title"/>
+          </p:nvPr>
+        </p:nvSpPr>
+        <p:spPr/>
+        <p:txBody>
+          <a:bodyPr/>
+          <a:lstStyle/>
+          <a:p>
+            <a:r>
+              <a:rPr kumimoji="1" lang="ko-KR" altLang="en-US" dirty="0"/>
+              <a:t>디자인</a:t>
+            </a:r>
+            <a:r>
+              <a:rPr kumimoji="1" lang="en-US" altLang="ko-KR" dirty="0"/>
+              <a:t> </a:t>
+            </a:r>
+            <a:r>
+              <a:rPr kumimoji="1" lang="ko-KR" altLang="en-US" dirty="0"/>
+              <a:t>패턴</a:t>
+            </a:r>
+            <a:endParaRPr kumimoji="1" lang="ko-Kore-KR" altLang="en-US" dirty="0"/>
+          </a:p>
+        </p:txBody>
+      </p:sp>
+      <p:sp>
+        <p:nvSpPr>
+          <p:cNvPr id="3" name="내용 개체 틀 2">
+            <a:extLst>
+              <a:ext uri="{FF2B5EF4-FFF2-40B4-BE49-F238E27FC236}">
+                <a16:creationId xmlns:a16="http://schemas.microsoft.com/office/drawing/2014/main" id="{5F3F948B-3B5E-C54A-9DA9-A0622E21448E}"/>
+              </a:ext>
+            </a:extLst>
+          </p:cNvPr>
+          <p:cNvSpPr>
+            <a:spLocks noGrp="1"/>
+          </p:cNvSpPr>
+          <p:nvPr>
+            <p:ph idx="1"/>
+          </p:nvPr>
+        </p:nvSpPr>
+        <p:spPr/>
+        <p:txBody>
+          <a:bodyPr/>
+          <a:lstStyle/>
+          <a:p>
+            <a:r>
+              <a:rPr kumimoji="1" lang="ko-KR" altLang="en-US" dirty="0" err="1"/>
+              <a:t>싱글톤</a:t>
+            </a:r>
+            <a:r>
+              <a:rPr kumimoji="1" lang="ko-KR" altLang="en-US" dirty="0"/>
+              <a:t> 패턴 사용</a:t>
+            </a:r>
+            <a:endParaRPr kumimoji="1" lang="en-US" altLang="ko-KR" dirty="0"/>
+          </a:p>
+          <a:p>
+            <a:pPr marL="0" indent="0">
+              <a:buNone/>
+            </a:pPr>
+            <a:endParaRPr kumimoji="1" lang="ko-Kore-KR" altLang="en-US" dirty="0"/>
+          </a:p>
+        </p:txBody>
+      </p:sp>
+    </p:spTree>
+    <p:extLst>
+      <p:ext uri="{BB962C8B-B14F-4D97-AF65-F5344CB8AC3E}">
+        <p14:creationId xmlns:p14="http://schemas.microsoft.com/office/powerpoint/2010/main" val="438999870"/>
+      </p:ext>
+    </p:extLst>
+  </p:cSld>
+  <p:clrMapOvr>
+    <a:masterClrMapping/>
+  </p:clrMapOvr>
+</p:sld>
+</file>
+
+<file path=ppt/slides/slide13.xml><?xml version="1.0" encoding="utf-8"?>
+<p:sld xmlns:a="http://schemas.openxmlformats.org/drawingml/2006/main" xmlns:r="http://schemas.openxmlformats.org/officeDocument/2006/relationships" xmlns:p="http://schemas.openxmlformats.org/presentationml/2006/main">
+  <p:cSld>
+    <p:spTree>
+      <p:nvGrpSpPr>
+        <p:cNvPr id="1" name=""/>
+        <p:cNvGrpSpPr/>
+        <p:nvPr/>
+      </p:nvGrpSpPr>
+      <p:grpSpPr>
+        <a:xfrm>
+          <a:off x="0" y="0"/>
+          <a:ext cx="0" cy="0"/>
+          <a:chOff x="0" y="0"/>
+          <a:chExt cx="0" cy="0"/>
+        </a:xfrm>
+      </p:grpSpPr>
+      <p:sp>
+        <p:nvSpPr>
+          <p:cNvPr id="2" name="제목 1">
+            <a:extLst>
+              <a:ext uri="{FF2B5EF4-FFF2-40B4-BE49-F238E27FC236}">
+                <a16:creationId xmlns:a16="http://schemas.microsoft.com/office/drawing/2014/main" id="{F78D49EE-618A-414A-B9DA-6B4729C06499}"/>
+              </a:ext>
+            </a:extLst>
+          </p:cNvPr>
+          <p:cNvSpPr>
+            <a:spLocks noGrp="1"/>
+          </p:cNvSpPr>
+          <p:nvPr>
+            <p:ph type="title"/>
+          </p:nvPr>
+        </p:nvSpPr>
+        <p:spPr/>
+        <p:txBody>
+          <a:bodyPr/>
+          <a:lstStyle/>
+          <a:p>
+            <a:r>
+              <a:rPr kumimoji="1" lang="en-US" altLang="ko-Kore-KR" dirty="0"/>
+              <a:t>UML</a:t>
+            </a:r>
+            <a:endParaRPr kumimoji="1" lang="ko-Kore-KR" altLang="en-US" dirty="0"/>
+          </a:p>
+        </p:txBody>
+      </p:sp>
+      <p:pic>
+        <p:nvPicPr>
+          <p:cNvPr id="11" name="내용 개체 틀 10">
+            <a:extLst>
+              <a:ext uri="{FF2B5EF4-FFF2-40B4-BE49-F238E27FC236}">
+                <a16:creationId xmlns:a16="http://schemas.microsoft.com/office/drawing/2014/main" id="{A153DFFA-AB6E-044E-AB1E-ADF889F97547}"/>
+              </a:ext>
+            </a:extLst>
+          </p:cNvPr>
+          <p:cNvPicPr>
+            <a:picLocks noGrp="1" noChangeAspect="1"/>
+          </p:cNvPicPr>
+          <p:nvPr>
+            <p:ph idx="1"/>
+          </p:nvPr>
+        </p:nvPicPr>
+        <p:blipFill>
+          <a:blip r:embed="rId2"/>
+          <a:stretch>
+            <a:fillRect/>
+          </a:stretch>
+        </p:blipFill>
+        <p:spPr>
+          <a:xfrm>
+            <a:off x="2271713" y="283020"/>
+            <a:ext cx="9082087" cy="6422778"/>
+          </a:xfrm>
+        </p:spPr>
+      </p:pic>
+    </p:spTree>
+    <p:extLst>
+      <p:ext uri="{BB962C8B-B14F-4D97-AF65-F5344CB8AC3E}">
+        <p14:creationId xmlns:p14="http://schemas.microsoft.com/office/powerpoint/2010/main" val="1198068625"/>
+      </p:ext>
+    </p:extLst>
+  </p:cSld>
+  <p:clrMapOvr>
+    <a:masterClrMapping/>
+  </p:clrMapOvr>
+</p:sld>
+</file>
+
+<file path=ppt/slides/slide14.xml><?xml version="1.0" encoding="utf-8"?>
+<p:sld xmlns:a="http://schemas.openxmlformats.org/drawingml/2006/main" xmlns:r="http://schemas.openxmlformats.org/officeDocument/2006/relationships" xmlns:p="http://schemas.openxmlformats.org/presentationml/2006/main">
+  <p:cSld>
+    <p:spTree>
+      <p:nvGrpSpPr>
+        <p:cNvPr id="1" name=""/>
+        <p:cNvGrpSpPr/>
+        <p:nvPr/>
+      </p:nvGrpSpPr>
+      <p:grpSpPr>
+        <a:xfrm>
+          <a:off x="0" y="0"/>
+          <a:ext cx="0" cy="0"/>
+          <a:chOff x="0" y="0"/>
+          <a:chExt cx="0" cy="0"/>
+        </a:xfrm>
+      </p:grpSpPr>
+      <p:sp>
+        <p:nvSpPr>
+          <p:cNvPr id="2" name="제목 1">
+            <a:extLst>
+              <a:ext uri="{FF2B5EF4-FFF2-40B4-BE49-F238E27FC236}">
                 <a16:creationId xmlns:a16="http://schemas.microsoft.com/office/drawing/2014/main" id="{91C95013-C91C-1B47-A582-CC431372F75B}"/>
               </a:ext>
             </a:extLst>
@@ -3757,7 +4049,7 @@
 </p:sld>
 </file>
 
-<file path=ppt/slides/slide13.xml><?xml version="1.0" encoding="utf-8"?>
+<file path=ppt/slides/slide15.xml><?xml version="1.0" encoding="utf-8"?>
 <p:sld xmlns:a="http://schemas.openxmlformats.org/drawingml/2006/main" xmlns:r="http://schemas.openxmlformats.org/officeDocument/2006/relationships" xmlns:p="http://schemas.openxmlformats.org/presentationml/2006/main">
   <p:cSld>
     <p:spTree>
@@ -3849,7 +4141,7 @@
 </p:sld>
 </file>
 
-<file path=ppt/slides/slide14.xml><?xml version="1.0" encoding="utf-8"?>
+<file path=ppt/slides/slide16.xml><?xml version="1.0" encoding="utf-8"?>
 <p:sld xmlns:a="http://schemas.openxmlformats.org/drawingml/2006/main" xmlns:r="http://schemas.openxmlformats.org/officeDocument/2006/relationships" xmlns:p="http://schemas.openxmlformats.org/presentationml/2006/main">
   <p:cSld>
     <p:spTree>
@@ -3967,7 +4259,7 @@
 </p:sld>
 </file>
 
-<file path=ppt/slides/slide15.xml><?xml version="1.0" encoding="utf-8"?>
+<file path=ppt/slides/slide17.xml><?xml version="1.0" encoding="utf-8"?>
 <p:sld xmlns:a="http://schemas.openxmlformats.org/drawingml/2006/main" xmlns:r="http://schemas.openxmlformats.org/officeDocument/2006/relationships" xmlns:p="http://schemas.openxmlformats.org/presentationml/2006/main">
   <p:cSld>
     <p:spTree>
@@ -4424,21 +4716,84 @@
           </a:p>
         </p:txBody>
       </p:sp>
+      <p:sp>
+        <p:nvSpPr>
+          <p:cNvPr id="8" name="TextBox 7">
+            <a:extLst>
+              <a:ext uri="{FF2B5EF4-FFF2-40B4-BE49-F238E27FC236}">
+                <a16:creationId xmlns:a16="http://schemas.microsoft.com/office/drawing/2014/main" id="{15B8669A-ACE0-934C-8D96-0878473B1729}"/>
+              </a:ext>
+            </a:extLst>
+          </p:cNvPr>
+          <p:cNvSpPr txBox="1"/>
+          <p:nvPr/>
+        </p:nvSpPr>
+        <p:spPr>
+          <a:xfrm>
+            <a:off x="838200" y="2225843"/>
+            <a:ext cx="2853666" cy="1569660"/>
+          </a:xfrm>
+          <a:prstGeom prst="rect">
+            <a:avLst/>
+          </a:prstGeom>
+          <a:noFill/>
+        </p:spPr>
+        <p:txBody>
+          <a:bodyPr wrap="none" rtlCol="0">
+            <a:spAutoFit/>
+          </a:bodyPr>
+          <a:lstStyle/>
+          <a:p>
+            <a:r>
+              <a:rPr kumimoji="1" lang="ko-KR" altLang="en-US" sz="2400" dirty="0"/>
+              <a:t>게임 진행 및 기능에</a:t>
+            </a:r>
+            <a:endParaRPr kumimoji="1" lang="en-US" altLang="ko-KR" sz="2400" dirty="0"/>
+          </a:p>
+          <a:p>
+            <a:r>
+              <a:rPr kumimoji="1" lang="ko-KR" altLang="en-US" sz="2400" dirty="0"/>
+              <a:t>관여하는</a:t>
+            </a:r>
+            <a:endParaRPr kumimoji="1" lang="en-US" altLang="ko-KR" sz="2400" dirty="0"/>
+          </a:p>
+          <a:p>
+            <a:r>
+              <a:rPr kumimoji="1" lang="ko-KR" altLang="en-US" sz="2400" dirty="0"/>
+              <a:t>주요 함수들에 대해</a:t>
+            </a:r>
+            <a:endParaRPr kumimoji="1" lang="en-US" altLang="ko-KR" sz="2400" dirty="0"/>
+          </a:p>
+          <a:p>
+            <a:r>
+              <a:rPr kumimoji="1" lang="en-US" altLang="ko-KR" sz="2400" dirty="0" err="1"/>
+              <a:t>Gtest</a:t>
+            </a:r>
+            <a:r>
+              <a:rPr kumimoji="1" lang="ko-KR" altLang="en-US" sz="2400" dirty="0" err="1"/>
+              <a:t>를</a:t>
+            </a:r>
+            <a:r>
+              <a:rPr kumimoji="1" lang="ko-KR" altLang="en-US" sz="2400" dirty="0"/>
+              <a:t> 진행함</a:t>
+            </a:r>
+            <a:endParaRPr kumimoji="1" lang="en-US" altLang="ko-KR" sz="2400" dirty="0"/>
+          </a:p>
+        </p:txBody>
+      </p:sp>
       <p:pic>
         <p:nvPicPr>
-          <p:cNvPr id="7" name="내용 개체 틀 6" descr="텍스트이(가) 표시된 사진&#10;&#10;자동 생성된 설명">
-            <a:extLst>
-              <a:ext uri="{FF2B5EF4-FFF2-40B4-BE49-F238E27FC236}">
-                <a16:creationId xmlns:a16="http://schemas.microsoft.com/office/drawing/2014/main" id="{BEF73DD5-16E2-124A-9338-B6FBDDC082E4}"/>
+          <p:cNvPr id="6" name="그림 5" descr="텍스트이(가) 표시된 사진&#10;&#10;자동 생성된 설명">
+            <a:extLst>
+              <a:ext uri="{FF2B5EF4-FFF2-40B4-BE49-F238E27FC236}">
+                <a16:creationId xmlns:a16="http://schemas.microsoft.com/office/drawing/2014/main" id="{9EBF5F53-7C84-C747-9939-77FD3DFD9314}"/>
               </a:ext>
             </a:extLst>
           </p:cNvPr>
           <p:cNvPicPr>
-            <a:picLocks noGrp="1" noChangeAspect="1"/>
+            <a:picLocks noChangeAspect="1"/>
           </p:cNvPicPr>
-          <p:nvPr>
-            <p:ph idx="1"/>
-          </p:nvPr>
+          <p:nvPr/>
         </p:nvPicPr>
         <p:blipFill>
           <a:blip r:embed="rId2"/>
@@ -4448,69 +4803,14 @@
         </p:blipFill>
         <p:spPr>
           <a:xfrm>
-            <a:off x="5580862" y="365125"/>
-            <a:ext cx="5115211" cy="6174151"/>
-          </a:xfrm>
-        </p:spPr>
-      </p:pic>
-      <p:sp>
-        <p:nvSpPr>
-          <p:cNvPr id="8" name="TextBox 7">
-            <a:extLst>
-              <a:ext uri="{FF2B5EF4-FFF2-40B4-BE49-F238E27FC236}">
-                <a16:creationId xmlns:a16="http://schemas.microsoft.com/office/drawing/2014/main" id="{15B8669A-ACE0-934C-8D96-0878473B1729}"/>
-              </a:ext>
-            </a:extLst>
-          </p:cNvPr>
-          <p:cNvSpPr txBox="1"/>
-          <p:nvPr/>
-        </p:nvSpPr>
-        <p:spPr>
-          <a:xfrm>
-            <a:off x="838200" y="2225843"/>
-            <a:ext cx="4153701" cy="1200329"/>
+            <a:off x="3810267" y="1414462"/>
+            <a:ext cx="8381733" cy="4814887"/>
           </a:xfrm>
           <a:prstGeom prst="rect">
             <a:avLst/>
           </a:prstGeom>
-          <a:noFill/>
         </p:spPr>
-        <p:txBody>
-          <a:bodyPr wrap="none" rtlCol="0">
-            <a:spAutoFit/>
-          </a:bodyPr>
-          <a:lstStyle/>
-          <a:p>
-            <a:r>
-              <a:rPr kumimoji="1" lang="ko-KR" altLang="en-US" sz="2400" dirty="0"/>
-              <a:t>게임 진행 및 기능에 관여하는</a:t>
-            </a:r>
-            <a:endParaRPr kumimoji="1" lang="en-US" altLang="ko-KR" sz="2400" dirty="0"/>
-          </a:p>
-          <a:p>
-            <a:r>
-              <a:rPr kumimoji="1" lang="ko-KR" altLang="en-US" sz="2400" dirty="0"/>
-              <a:t>주요 함수들에 대해</a:t>
-            </a:r>
-            <a:endParaRPr kumimoji="1" lang="en-US" altLang="ko-KR" sz="2400" dirty="0"/>
-          </a:p>
-          <a:p>
-            <a:r>
-              <a:rPr kumimoji="1" lang="en-US" altLang="ko-KR" sz="2400" dirty="0" err="1"/>
-              <a:t>Gtest</a:t>
-            </a:r>
-            <a:r>
-              <a:rPr kumimoji="1" lang="ko-KR" altLang="en-US" sz="2400" dirty="0" err="1"/>
-              <a:t>를</a:t>
-            </a:r>
-            <a:r>
-              <a:rPr kumimoji="1" lang="ko-KR" altLang="en-US" sz="2400" dirty="0"/>
-              <a:t> 진행함</a:t>
-            </a:r>
-            <a:endParaRPr kumimoji="1" lang="en-US" altLang="ko-KR" sz="2400" dirty="0"/>
-          </a:p>
-        </p:txBody>
-      </p:sp>
+      </p:pic>
     </p:spTree>
     <p:extLst>
       <p:ext uri="{BB962C8B-B14F-4D97-AF65-F5344CB8AC3E}">
@@ -4578,47 +4878,36 @@
           </a:p>
         </p:txBody>
       </p:sp>
-      <p:sp>
-        <p:nvSpPr>
-          <p:cNvPr id="3" name="내용 개체 틀 2">
-            <a:extLst>
-              <a:ext uri="{FF2B5EF4-FFF2-40B4-BE49-F238E27FC236}">
-                <a16:creationId xmlns:a16="http://schemas.microsoft.com/office/drawing/2014/main" id="{9C64E551-2FBD-D64F-9C20-250548B76178}"/>
-              </a:ext>
-            </a:extLst>
-          </p:cNvPr>
-          <p:cNvSpPr>
-            <a:spLocks noGrp="1"/>
-          </p:cNvSpPr>
-          <p:nvPr>
-            <p:ph idx="1"/>
-          </p:nvPr>
-        </p:nvSpPr>
-        <p:spPr/>
-        <p:txBody>
-          <a:bodyPr/>
-          <a:lstStyle/>
-          <a:p>
-            <a:r>
-              <a:rPr kumimoji="1" lang="en-US" altLang="ko-Kore-KR" dirty="0"/>
-              <a:t>//</a:t>
-            </a:r>
-            <a:r>
-              <a:rPr kumimoji="1" lang="ko-Kore-KR" altLang="en-US" dirty="0"/>
-              <a:t>결과</a:t>
-            </a:r>
-            <a:r>
-              <a:rPr kumimoji="1" lang="ko-KR" altLang="en-US" dirty="0"/>
-              <a:t> 사진</a:t>
-            </a:r>
-            <a:r>
-              <a:rPr kumimoji="1" lang="en-US" altLang="ko-KR" dirty="0"/>
-              <a:t>//</a:t>
-            </a:r>
-            <a:endParaRPr kumimoji="1" lang="ko-Kore-KR" altLang="en-US" dirty="0"/>
-          </a:p>
-        </p:txBody>
-      </p:sp>
+      <p:pic>
+        <p:nvPicPr>
+          <p:cNvPr id="5" name="그림 4" descr="텍스트이(가) 표시된 사진&#10;&#10;자동 생성된 설명">
+            <a:extLst>
+              <a:ext uri="{FF2B5EF4-FFF2-40B4-BE49-F238E27FC236}">
+                <a16:creationId xmlns:a16="http://schemas.microsoft.com/office/drawing/2014/main" id="{263D5A96-D849-C944-A053-0C8CE80DF4AF}"/>
+              </a:ext>
+            </a:extLst>
+          </p:cNvPr>
+          <p:cNvPicPr>
+            <a:picLocks noChangeAspect="1"/>
+          </p:cNvPicPr>
+          <p:nvPr/>
+        </p:nvPicPr>
+        <p:blipFill>
+          <a:blip r:embed="rId2"/>
+          <a:stretch>
+            <a:fillRect/>
+          </a:stretch>
+        </p:blipFill>
+        <p:spPr>
+          <a:xfrm>
+            <a:off x="5598232" y="315912"/>
+            <a:ext cx="6433168" cy="6176963"/>
+          </a:xfrm>
+          <a:prstGeom prst="rect">
+            <a:avLst/>
+          </a:prstGeom>
+        </p:spPr>
+      </p:pic>
     </p:spTree>
     <p:extLst>
       <p:ext uri="{BB962C8B-B14F-4D97-AF65-F5344CB8AC3E}">
@@ -5208,7 +5497,7 @@
         <p:spPr/>
         <p:txBody>
           <a:bodyPr>
-            <a:normAutofit lnSpcReduction="10000"/>
+            <a:normAutofit/>
           </a:bodyPr>
           <a:lstStyle/>
           <a:p>
@@ -5228,7 +5517,7 @@
             </a:r>
             <a:r>
               <a:rPr kumimoji="1" lang="en-US" altLang="ko-KR" dirty="0"/>
-              <a:t>(Judge::</a:t>
+              <a:t>- Judge::</a:t>
             </a:r>
             <a:r>
               <a:rPr kumimoji="1" lang="en-US" altLang="ko-KR" dirty="0" err="1"/>
@@ -5242,18 +5531,23 @@
               <a:rPr kumimoji="1" lang="ko-KR" altLang="en-US" dirty="0"/>
               <a:t>보드 사이즈 입력 제한</a:t>
             </a:r>
+            <a:endParaRPr kumimoji="1" lang="en-US" altLang="ko-KR" dirty="0"/>
+          </a:p>
+          <a:p>
+            <a:pPr marL="0" indent="0">
+              <a:buNone/>
+            </a:pPr>
+            <a:r>
+              <a:rPr kumimoji="1" lang="ko-KR" altLang="en-US" dirty="0"/>
+              <a:t>    </a:t>
+            </a:r>
             <a:r>
               <a:rPr kumimoji="1" lang="en-US" altLang="ko-KR" dirty="0"/>
-              <a:t>, </a:t>
-            </a:r>
-          </a:p>
-          <a:p>
-            <a:pPr marL="0" indent="0">
-              <a:buNone/>
-            </a:pPr>
-            <a:r>
-              <a:rPr kumimoji="1" lang="ko-KR" altLang="en-US" dirty="0"/>
-              <a:t>     </a:t>
+              <a:t>-</a:t>
+            </a:r>
+            <a:r>
+              <a:rPr kumimoji="1" lang="ko-KR" altLang="en-US" dirty="0"/>
+              <a:t> </a:t>
             </a:r>
             <a:r>
               <a:rPr kumimoji="1" lang="en-US" altLang="ko-KR" dirty="0"/>
@@ -5274,42 +5568,23 @@
             <a:endParaRPr kumimoji="1" lang="en-US" altLang="ko-KR" dirty="0"/>
           </a:p>
           <a:p>
+            <a:r>
+              <a:rPr kumimoji="1" lang="ko-KR" altLang="en-US" dirty="0"/>
+              <a:t>예외 상황 처리를 위한 함수</a:t>
+            </a:r>
+            <a:endParaRPr kumimoji="1" lang="en-US" altLang="ko-KR" dirty="0"/>
+          </a:p>
+          <a:p>
             <a:pPr marL="0" indent="0">
               <a:buNone/>
             </a:pPr>
             <a:r>
               <a:rPr kumimoji="1" lang="ko-KR" altLang="en-US" dirty="0"/>
-              <a:t>     </a:t>
+              <a:t>    </a:t>
             </a:r>
             <a:r>
               <a:rPr kumimoji="1" lang="en-US" altLang="ko-KR" dirty="0"/>
-              <a:t>)</a:t>
-            </a:r>
-          </a:p>
-          <a:p>
-            <a:pPr marL="0" indent="0">
-              <a:buNone/>
-            </a:pPr>
-            <a:endParaRPr kumimoji="1" lang="en-US" altLang="ko-KR" dirty="0"/>
-          </a:p>
-          <a:p>
-            <a:r>
-              <a:rPr kumimoji="1" lang="ko-KR" altLang="en-US" dirty="0"/>
-              <a:t>예외 상황 처리를 위한 함수</a:t>
-            </a:r>
-            <a:endParaRPr kumimoji="1" lang="en-US" altLang="ko-KR" dirty="0"/>
-          </a:p>
-          <a:p>
-            <a:pPr marL="0" indent="0">
-              <a:buNone/>
-            </a:pPr>
-            <a:r>
-              <a:rPr kumimoji="1" lang="ko-KR" altLang="en-US" dirty="0"/>
-              <a:t>    </a:t>
-            </a:r>
-            <a:r>
-              <a:rPr kumimoji="1" lang="en-US" altLang="ko-KR" dirty="0"/>
-              <a:t>(Judge::</a:t>
+              <a:t>Judge::</a:t>
             </a:r>
             <a:r>
               <a:rPr kumimoji="1" lang="en-US" altLang="ko-KR" dirty="0" err="1"/>

--- a/보고서/보고서.pptx
+++ b/보고서/보고서.pptx
@@ -5172,7 +5172,7 @@
         </p:blipFill>
         <p:spPr>
           <a:xfrm>
-            <a:off x="477253" y="1956970"/>
+            <a:off x="220078" y="1956970"/>
             <a:ext cx="6153605" cy="4535905"/>
           </a:xfrm>
           <a:prstGeom prst="rect">
@@ -5206,6 +5206,36 @@
             <a:off x="5993412" y="1027906"/>
             <a:ext cx="5799089" cy="911520"/>
           </a:xfrm>
+        </p:spPr>
+      </p:pic>
+      <p:pic>
+        <p:nvPicPr>
+          <p:cNvPr id="5" name="그림 4" descr="텍스트이(가) 표시된 사진&#10;&#10;자동 생성된 설명">
+            <a:extLst>
+              <a:ext uri="{FF2B5EF4-FFF2-40B4-BE49-F238E27FC236}">
+                <a16:creationId xmlns:a16="http://schemas.microsoft.com/office/drawing/2014/main" id="{D2938F0C-3F5A-454C-B7B7-87D5E7B184EC}"/>
+              </a:ext>
+            </a:extLst>
+          </p:cNvPr>
+          <p:cNvPicPr>
+            <a:picLocks noChangeAspect="1"/>
+          </p:cNvPicPr>
+          <p:nvPr/>
+        </p:nvPicPr>
+        <p:blipFill>
+          <a:blip r:embed="rId4"/>
+          <a:stretch>
+            <a:fillRect/>
+          </a:stretch>
+        </p:blipFill>
+        <p:spPr>
+          <a:xfrm>
+            <a:off x="6483463" y="3081466"/>
+            <a:ext cx="5708537" cy="1554034"/>
+          </a:xfrm>
+          <a:prstGeom prst="rect">
+            <a:avLst/>
+          </a:prstGeom>
         </p:spPr>
       </p:pic>
     </p:spTree>
